--- a/Chuck Berger.pptx
+++ b/Chuck Berger.pptx
@@ -15,6 +15,7 @@
     <p:sldId id="262" r:id="rId9"/>
     <p:sldId id="266" r:id="rId10"/>
     <p:sldId id="264" r:id="rId11"/>
+    <p:sldId id="267" r:id="rId12"/>
   </p:sldIdLst>
   <p:sldSz cx="9144000" cy="6858000" type="screen4x3"/>
   <p:notesSz cx="6858000" cy="9144000"/>
@@ -743,7 +744,7 @@
           <a:p>
             <a:fld id="{B5B2799A-3A3F-4AC9-8174-8CA8A1E338FF}" type="datetimeFigureOut">
               <a:rPr lang="en-US" smtClean="0"/>
-              <a:t>1/29/2013</a:t>
+              <a:t>2/1/2013</a:t>
             </a:fld>
             <a:endParaRPr lang="en-US" dirty="0"/>
           </a:p>
@@ -922,7 +923,7 @@
           <a:p>
             <a:fld id="{B5B2799A-3A3F-4AC9-8174-8CA8A1E338FF}" type="datetimeFigureOut">
               <a:rPr lang="en-US" smtClean="0"/>
-              <a:t>1/29/2013</a:t>
+              <a:t>2/1/2013</a:t>
             </a:fld>
             <a:endParaRPr lang="en-US" dirty="0"/>
           </a:p>
@@ -1101,7 +1102,7 @@
           <a:p>
             <a:fld id="{B5B2799A-3A3F-4AC9-8174-8CA8A1E338FF}" type="datetimeFigureOut">
               <a:rPr lang="en-US" smtClean="0"/>
-              <a:t>1/29/2013</a:t>
+              <a:t>2/1/2013</a:t>
             </a:fld>
             <a:endParaRPr lang="en-US" dirty="0"/>
           </a:p>
@@ -1266,7 +1267,7 @@
           <a:p>
             <a:fld id="{B5B2799A-3A3F-4AC9-8174-8CA8A1E338FF}" type="datetimeFigureOut">
               <a:rPr lang="en-US" smtClean="0"/>
-              <a:t>1/29/2013</a:t>
+              <a:t>2/1/2013</a:t>
             </a:fld>
             <a:endParaRPr lang="en-US" dirty="0"/>
           </a:p>
@@ -1505,7 +1506,7 @@
           <a:p>
             <a:fld id="{B5B2799A-3A3F-4AC9-8174-8CA8A1E338FF}" type="datetimeFigureOut">
               <a:rPr lang="en-US" smtClean="0"/>
-              <a:t>1/29/2013</a:t>
+              <a:t>2/1/2013</a:t>
             </a:fld>
             <a:endParaRPr lang="en-US" dirty="0"/>
           </a:p>
@@ -1618,7 +1619,7 @@
           <a:p>
             <a:fld id="{B5B2799A-3A3F-4AC9-8174-8CA8A1E338FF}" type="datetimeFigureOut">
               <a:rPr lang="en-US" smtClean="0"/>
-              <a:t>1/29/2013</a:t>
+              <a:t>2/1/2013</a:t>
             </a:fld>
             <a:endParaRPr lang="en-US" dirty="0"/>
           </a:p>
@@ -1991,7 +1992,7 @@
           <a:p>
             <a:fld id="{B5B2799A-3A3F-4AC9-8174-8CA8A1E338FF}" type="datetimeFigureOut">
               <a:rPr lang="en-US" smtClean="0"/>
-              <a:t>1/29/2013</a:t>
+              <a:t>2/1/2013</a:t>
             </a:fld>
             <a:endParaRPr lang="en-US" dirty="0"/>
           </a:p>
@@ -2218,7 +2219,7 @@
           <a:p>
             <a:fld id="{B5B2799A-3A3F-4AC9-8174-8CA8A1E338FF}" type="datetimeFigureOut">
               <a:rPr lang="en-US" smtClean="0"/>
-              <a:t>1/29/2013</a:t>
+              <a:t>2/1/2013</a:t>
             </a:fld>
             <a:endParaRPr lang="en-US" dirty="0"/>
           </a:p>
@@ -2308,7 +2309,7 @@
           <a:p>
             <a:fld id="{B5B2799A-3A3F-4AC9-8174-8CA8A1E338FF}" type="datetimeFigureOut">
               <a:rPr lang="en-US" smtClean="0"/>
-              <a:t>1/29/2013</a:t>
+              <a:t>2/1/2013</a:t>
             </a:fld>
             <a:endParaRPr lang="en-US" dirty="0"/>
           </a:p>
@@ -3135,7 +3136,7 @@
           <a:p>
             <a:fld id="{B5B2799A-3A3F-4AC9-8174-8CA8A1E338FF}" type="datetimeFigureOut">
               <a:rPr lang="en-US" smtClean="0"/>
-              <a:t>1/29/2013</a:t>
+              <a:t>2/1/2013</a:t>
             </a:fld>
             <a:endParaRPr lang="en-US" dirty="0"/>
           </a:p>
@@ -3966,7 +3967,7 @@
           <a:p>
             <a:fld id="{B5B2799A-3A3F-4AC9-8174-8CA8A1E338FF}" type="datetimeFigureOut">
               <a:rPr lang="en-US" smtClean="0"/>
-              <a:t>1/29/2013</a:t>
+              <a:t>2/1/2013</a:t>
             </a:fld>
             <a:endParaRPr lang="en-US" dirty="0"/>
           </a:p>
@@ -4620,7 +4621,7 @@
           <a:p>
             <a:fld id="{B5B2799A-3A3F-4AC9-8174-8CA8A1E338FF}" type="datetimeFigureOut">
               <a:rPr lang="en-US" smtClean="0"/>
-              <a:t>1/29/2013</a:t>
+              <a:t>2/1/2013</a:t>
             </a:fld>
             <a:endParaRPr lang="en-US" dirty="0"/>
           </a:p>
@@ -5111,11 +5112,7 @@
             </a:br>
             <a:r>
               <a:rPr lang="en-US" dirty="0" smtClean="0"/>
-              <a:t>Crossfire’s Building Advanced Websites Class </a:t>
-            </a:r>
-            <a:r>
-              <a:rPr lang="en-US" dirty="0" smtClean="0"/>
-              <a:t>Project</a:t>
+              <a:t>Crossfire’s Building Advanced Websites Class Project</a:t>
             </a:r>
             <a:endParaRPr lang="en-US" dirty="0"/>
           </a:p>
@@ -5174,10 +5171,14 @@
   </p:clrMapOvr>
   <mc:AlternateContent xmlns:mc="http://schemas.openxmlformats.org/markup-compatibility/2006">
     <mc:Choice xmlns:p14="http://schemas.microsoft.com/office/powerpoint/2010/main" Requires="p14">
-      <p:transition spd="slow" p14:dur="2000"/>
+      <p:transition spd="slow" p14:dur="3400">
+        <p14:reveal/>
+      </p:transition>
     </mc:Choice>
     <mc:Fallback>
-      <p:transition spd="slow"/>
+      <p:transition spd="slow">
+        <p:fade/>
+      </p:transition>
     </mc:Fallback>
   </mc:AlternateContent>
   <p:timing>
@@ -5219,10 +5220,24 @@
         </p:nvSpPr>
         <p:spPr>
           <a:xfrm>
-            <a:off x="1066800" y="1981200"/>
-            <a:ext cx="7010400" cy="2133600"/>
+            <a:off x="1066800" y="990600"/>
+            <a:ext cx="7010400" cy="4648200"/>
           </a:xfrm>
         </p:spPr>
+        <p:style>
+          <a:lnRef idx="1">
+            <a:schemeClr val="accent2"/>
+          </a:lnRef>
+          <a:fillRef idx="2">
+            <a:schemeClr val="accent2"/>
+          </a:fillRef>
+          <a:effectRef idx="1">
+            <a:schemeClr val="accent2"/>
+          </a:effectRef>
+          <a:fontRef idx="minor">
+            <a:schemeClr val="dk1"/>
+          </a:fontRef>
+        </p:style>
         <p:txBody>
           <a:bodyPr>
             <a:normAutofit fontScale="90000"/>
@@ -5231,12 +5246,11 @@
           <a:p>
             <a:r>
               <a:rPr lang="en-US" dirty="0" smtClean="0"/>
-              <a:t>THANK </a:t>
-            </a:r>
-            <a:r>
+              <a:t/>
+            </a:r>
+            <a:br>
               <a:rPr lang="en-US" dirty="0" smtClean="0"/>
-              <a:t>YOU ALL!</a:t>
-            </a:r>
+            </a:br>
             <a:r>
               <a:rPr lang="en-US" dirty="0"/>
               <a:t/>
@@ -5245,27 +5259,78 @@
               <a:rPr lang="en-US" dirty="0"/>
             </a:br>
             <a:r>
-              <a:rPr lang="en-US" dirty="0" smtClean="0"/>
+              <a:rPr lang="en-US" b="1" dirty="0" smtClean="0"/>
+              <a:t>THANK </a:t>
+            </a:r>
+            <a:r>
+              <a:rPr lang="en-US" b="1" dirty="0" smtClean="0"/>
+              <a:t>YOU ALL!</a:t>
+            </a:r>
+            <a:r>
+              <a:rPr lang="en-US" b="1" dirty="0"/>
+              <a:t/>
+            </a:r>
+            <a:br>
+              <a:rPr lang="en-US" b="1" dirty="0"/>
+            </a:br>
+            <a:r>
+              <a:rPr lang="en-US" b="1" dirty="0" smtClean="0"/>
               <a:t> &amp; </a:t>
             </a:r>
             <a:br>
-              <a:rPr lang="en-US" dirty="0" smtClean="0"/>
+              <a:rPr lang="en-US" b="1" dirty="0" smtClean="0"/>
             </a:br>
             <a:r>
-              <a:rPr lang="en-US" dirty="0" smtClean="0"/>
+              <a:rPr lang="en-US" b="1" dirty="0" smtClean="0"/>
               <a:t>Thanks to Crossfire staff </a:t>
             </a:r>
             <a:br>
-              <a:rPr lang="en-US" dirty="0" smtClean="0"/>
+              <a:rPr lang="en-US" b="1" dirty="0" smtClean="0"/>
             </a:br>
             <a:r>
-              <a:rPr lang="en-US" dirty="0" smtClean="0"/>
-              <a:t>for offering this opportunity!</a:t>
+              <a:rPr lang="en-US" b="1" dirty="0" smtClean="0"/>
+              <a:t>for offering this opportunity</a:t>
+            </a:r>
+            <a:r>
+              <a:rPr lang="en-US" b="1" dirty="0" smtClean="0"/>
+              <a:t>!</a:t>
             </a:r>
             <a:br>
-              <a:rPr lang="en-US" dirty="0" smtClean="0"/>
+              <a:rPr lang="en-US" b="1" dirty="0" smtClean="0"/>
             </a:br>
-            <a:endParaRPr lang="en-US" dirty="0"/>
+            <a:r>
+              <a:rPr lang="en-US" b="1" dirty="0"/>
+              <a:t/>
+            </a:r>
+            <a:br>
+              <a:rPr lang="en-US" b="1" dirty="0"/>
+            </a:br>
+            <a:r>
+              <a:rPr lang="en-US" b="1" dirty="0" smtClean="0"/>
+              <a:t/>
+            </a:r>
+            <a:br>
+              <a:rPr lang="en-US" b="1" dirty="0" smtClean="0"/>
+            </a:br>
+            <a:r>
+              <a:rPr lang="en-US" b="1" dirty="0" smtClean="0"/>
+              <a:t>&amp; one more thing…</a:t>
+            </a:r>
+            <a:r>
+              <a:rPr lang="en-US" b="1" dirty="0"/>
+              <a:t/>
+            </a:r>
+            <a:br>
+              <a:rPr lang="en-US" b="1" dirty="0"/>
+            </a:br>
+            <a:r>
+              <a:rPr lang="en-US" b="1" dirty="0" smtClean="0"/>
+              <a:t/>
+            </a:r>
+            <a:br>
+              <a:rPr lang="en-US" b="1" dirty="0" smtClean="0"/>
+            </a:br>
+            <a:endParaRPr lang="en-US" b="1" dirty="0"/>
           </a:p>
         </p:txBody>
       </p:sp>
@@ -5281,10 +5346,304 @@
   </p:clrMapOvr>
   <mc:AlternateContent xmlns:mc="http://schemas.openxmlformats.org/markup-compatibility/2006">
     <mc:Choice xmlns:p14="http://schemas.microsoft.com/office/powerpoint/2010/main" Requires="p14">
-      <p:transition spd="slow" p14:dur="2000"/>
+      <p:transition spd="slow" p14:dur="4400">
+        <p14:honeycomb/>
+      </p:transition>
     </mc:Choice>
     <mc:Fallback>
-      <p:transition spd="slow"/>
+      <p:transition spd="slow">
+        <p:fade/>
+      </p:transition>
+    </mc:Fallback>
+  </mc:AlternateContent>
+  <p:timing>
+    <p:tnLst>
+      <p:par>
+        <p:cTn id="1" dur="indefinite" restart="never" nodeType="tmRoot"/>
+      </p:par>
+    </p:tnLst>
+  </p:timing>
+</p:sld>
+</file>
+
+<file path=ppt/slides/slide11.xml><?xml version="1.0" encoding="utf-8"?>
+<p:sld xmlns:a="http://schemas.openxmlformats.org/drawingml/2006/main" xmlns:r="http://schemas.openxmlformats.org/officeDocument/2006/relationships" xmlns:p="http://schemas.openxmlformats.org/presentationml/2006/main">
+  <p:cSld>
+    <p:spTree>
+      <p:nvGrpSpPr>
+        <p:cNvPr id="1" name=""/>
+        <p:cNvGrpSpPr/>
+        <p:nvPr/>
+      </p:nvGrpSpPr>
+      <p:grpSpPr>
+        <a:xfrm>
+          <a:off x="0" y="0"/>
+          <a:ext cx="0" cy="0"/>
+          <a:chOff x="0" y="0"/>
+          <a:chExt cx="0" cy="0"/>
+        </a:xfrm>
+      </p:grpSpPr>
+      <p:sp>
+        <p:nvSpPr>
+          <p:cNvPr id="2" name="Title 1"/>
+          <p:cNvSpPr>
+            <a:spLocks noGrp="1"/>
+          </p:cNvSpPr>
+          <p:nvPr>
+            <p:ph type="title"/>
+          </p:nvPr>
+        </p:nvSpPr>
+        <p:spPr/>
+        <p:txBody>
+          <a:bodyPr/>
+          <a:lstStyle/>
+          <a:p>
+            <a:r>
+              <a:rPr lang="en-US" b="1" dirty="0" smtClean="0">
+                <a:latin typeface="Calibri" pitchFamily="34" charset="0"/>
+              </a:rPr>
+              <a:t>GO RAY AND GO RAVENS!</a:t>
+            </a:r>
+            <a:endParaRPr lang="en-US" b="1" dirty="0">
+              <a:latin typeface="Calibri" pitchFamily="34" charset="0"/>
+            </a:endParaRPr>
+          </a:p>
+        </p:txBody>
+      </p:sp>
+      <p:sp>
+        <p:nvSpPr>
+          <p:cNvPr id="3" name="Content Placeholder 2"/>
+          <p:cNvSpPr>
+            <a:spLocks noGrp="1"/>
+          </p:cNvSpPr>
+          <p:nvPr>
+            <p:ph idx="1"/>
+          </p:nvPr>
+        </p:nvSpPr>
+        <p:spPr/>
+        <p:txBody>
+          <a:bodyPr/>
+          <a:lstStyle/>
+          <a:p>
+            <a:pPr marL="0" indent="0">
+              <a:buNone/>
+            </a:pPr>
+            <a:endParaRPr lang="en-US" dirty="0"/>
+          </a:p>
+        </p:txBody>
+      </p:sp>
+      <p:pic>
+        <p:nvPicPr>
+          <p:cNvPr id="1026" name="Picture 2"/>
+          <p:cNvPicPr>
+            <a:picLocks noChangeAspect="1" noChangeArrowheads="1"/>
+          </p:cNvPicPr>
+          <p:nvPr/>
+        </p:nvPicPr>
+        <p:blipFill>
+          <a:blip r:embed="rId2">
+            <a:extLst>
+              <a:ext uri="{28A0092B-C50C-407E-A947-70E740481C1C}">
+                <a14:useLocalDpi xmlns:a14="http://schemas.microsoft.com/office/drawing/2010/main" val="0"/>
+              </a:ext>
+            </a:extLst>
+          </a:blip>
+          <a:srcRect/>
+          <a:stretch>
+            <a:fillRect/>
+          </a:stretch>
+        </p:blipFill>
+        <p:spPr bwMode="auto">
+          <a:xfrm>
+            <a:off x="5324475" y="2224314"/>
+            <a:ext cx="2286000" cy="1590675"/>
+          </a:xfrm>
+          <a:prstGeom prst="rect">
+            <a:avLst/>
+          </a:prstGeom>
+          <a:noFill/>
+          <a:ln>
+            <a:noFill/>
+          </a:ln>
+          <a:effectLst/>
+          <a:extLst>
+            <a:ext uri="{909E8E84-426E-40DD-AFC4-6F175D3DCCD1}">
+              <a14:hiddenFill xmlns:a14="http://schemas.microsoft.com/office/drawing/2010/main">
+                <a:solidFill>
+                  <a:schemeClr val="accent1"/>
+                </a:solidFill>
+              </a14:hiddenFill>
+            </a:ext>
+            <a:ext uri="{91240B29-F687-4F45-9708-019B960494DF}">
+              <a14:hiddenLine xmlns:a14="http://schemas.microsoft.com/office/drawing/2010/main" w="9525">
+                <a:solidFill>
+                  <a:schemeClr val="tx1"/>
+                </a:solidFill>
+                <a:miter lim="800000"/>
+                <a:headEnd/>
+                <a:tailEnd/>
+              </a14:hiddenLine>
+            </a:ext>
+            <a:ext uri="{AF507438-7753-43E0-B8FC-AC1667EBCBE1}">
+              <a14:hiddenEffects xmlns:a14="http://schemas.microsoft.com/office/drawing/2010/main">
+                <a:effectLst>
+                  <a:outerShdw dist="35921" dir="2700000" algn="ctr" rotWithShape="0">
+                    <a:schemeClr val="bg2"/>
+                  </a:outerShdw>
+                </a:effectLst>
+              </a14:hiddenEffects>
+            </a:ext>
+          </a:extLst>
+        </p:spPr>
+      </p:pic>
+      <p:pic>
+        <p:nvPicPr>
+          <p:cNvPr id="1027" name="Picture 3"/>
+          <p:cNvPicPr>
+            <a:picLocks noChangeAspect="1" noChangeArrowheads="1"/>
+          </p:cNvPicPr>
+          <p:nvPr/>
+        </p:nvPicPr>
+        <p:blipFill>
+          <a:blip r:embed="rId3">
+            <a:extLst>
+              <a:ext uri="{28A0092B-C50C-407E-A947-70E740481C1C}">
+                <a14:useLocalDpi xmlns:a14="http://schemas.microsoft.com/office/drawing/2010/main" val="0"/>
+              </a:ext>
+            </a:extLst>
+          </a:blip>
+          <a:srcRect/>
+          <a:stretch>
+            <a:fillRect/>
+          </a:stretch>
+        </p:blipFill>
+        <p:spPr bwMode="auto">
+          <a:xfrm>
+            <a:off x="1676399" y="2224314"/>
+            <a:ext cx="2524125" cy="1809750"/>
+          </a:xfrm>
+          <a:prstGeom prst="rect">
+            <a:avLst/>
+          </a:prstGeom>
+          <a:noFill/>
+          <a:ln>
+            <a:noFill/>
+          </a:ln>
+          <a:effectLst/>
+          <a:extLst>
+            <a:ext uri="{909E8E84-426E-40DD-AFC4-6F175D3DCCD1}">
+              <a14:hiddenFill xmlns:a14="http://schemas.microsoft.com/office/drawing/2010/main">
+                <a:solidFill>
+                  <a:schemeClr val="accent1"/>
+                </a:solidFill>
+              </a14:hiddenFill>
+            </a:ext>
+            <a:ext uri="{91240B29-F687-4F45-9708-019B960494DF}">
+              <a14:hiddenLine xmlns:a14="http://schemas.microsoft.com/office/drawing/2010/main" w="9525">
+                <a:solidFill>
+                  <a:schemeClr val="tx1"/>
+                </a:solidFill>
+                <a:miter lim="800000"/>
+                <a:headEnd/>
+                <a:tailEnd/>
+              </a14:hiddenLine>
+            </a:ext>
+            <a:ext uri="{AF507438-7753-43E0-B8FC-AC1667EBCBE1}">
+              <a14:hiddenEffects xmlns:a14="http://schemas.microsoft.com/office/drawing/2010/main">
+                <a:effectLst>
+                  <a:outerShdw dist="35921" dir="2700000" algn="ctr" rotWithShape="0">
+                    <a:schemeClr val="bg2"/>
+                  </a:outerShdw>
+                </a:effectLst>
+              </a14:hiddenEffects>
+            </a:ext>
+          </a:extLst>
+        </p:spPr>
+      </p:pic>
+      <p:pic>
+        <p:nvPicPr>
+          <p:cNvPr id="1028" name="Picture 4"/>
+          <p:cNvPicPr>
+            <a:picLocks noChangeAspect="1" noChangeArrowheads="1"/>
+          </p:cNvPicPr>
+          <p:nvPr/>
+        </p:nvPicPr>
+        <p:blipFill>
+          <a:blip r:embed="rId4">
+            <a:extLst>
+              <a:ext uri="{28A0092B-C50C-407E-A947-70E740481C1C}">
+                <a14:useLocalDpi xmlns:a14="http://schemas.microsoft.com/office/drawing/2010/main" val="0"/>
+              </a:ext>
+            </a:extLst>
+          </a:blip>
+          <a:srcRect/>
+          <a:stretch>
+            <a:fillRect/>
+          </a:stretch>
+        </p:blipFill>
+        <p:spPr bwMode="auto">
+          <a:xfrm>
+            <a:off x="3657600" y="3352800"/>
+            <a:ext cx="1895475" cy="2419350"/>
+          </a:xfrm>
+          <a:prstGeom prst="rect">
+            <a:avLst/>
+          </a:prstGeom>
+          <a:noFill/>
+          <a:ln>
+            <a:noFill/>
+          </a:ln>
+          <a:effectLst/>
+          <a:extLst>
+            <a:ext uri="{909E8E84-426E-40DD-AFC4-6F175D3DCCD1}">
+              <a14:hiddenFill xmlns:a14="http://schemas.microsoft.com/office/drawing/2010/main">
+                <a:solidFill>
+                  <a:schemeClr val="accent1"/>
+                </a:solidFill>
+              </a14:hiddenFill>
+            </a:ext>
+            <a:ext uri="{91240B29-F687-4F45-9708-019B960494DF}">
+              <a14:hiddenLine xmlns:a14="http://schemas.microsoft.com/office/drawing/2010/main" w="9525">
+                <a:solidFill>
+                  <a:schemeClr val="tx1"/>
+                </a:solidFill>
+                <a:miter lim="800000"/>
+                <a:headEnd/>
+                <a:tailEnd/>
+              </a14:hiddenLine>
+            </a:ext>
+            <a:ext uri="{AF507438-7753-43E0-B8FC-AC1667EBCBE1}">
+              <a14:hiddenEffects xmlns:a14="http://schemas.microsoft.com/office/drawing/2010/main">
+                <a:effectLst>
+                  <a:outerShdw dist="35921" dir="2700000" algn="ctr" rotWithShape="0">
+                    <a:schemeClr val="bg2"/>
+                  </a:outerShdw>
+                </a:effectLst>
+              </a14:hiddenEffects>
+            </a:ext>
+          </a:extLst>
+        </p:spPr>
+      </p:pic>
+    </p:spTree>
+    <p:extLst>
+      <p:ext uri="{BB962C8B-B14F-4D97-AF65-F5344CB8AC3E}">
+        <p14:creationId xmlns:p14="http://schemas.microsoft.com/office/powerpoint/2010/main" val="935219065"/>
+      </p:ext>
+    </p:extLst>
+  </p:cSld>
+  <p:clrMapOvr>
+    <a:masterClrMapping/>
+  </p:clrMapOvr>
+  <mc:AlternateContent xmlns:mc="http://schemas.openxmlformats.org/markup-compatibility/2006">
+    <mc:Choice xmlns:p14="http://schemas.microsoft.com/office/powerpoint/2010/main" Requires="p14">
+      <p:transition spd="slow" p14:dur="900">
+        <p14:warp dir="in"/>
+      </p:transition>
+    </mc:Choice>
+    <mc:Fallback>
+      <p:transition spd="slow">
+        <p:fade/>
+      </p:transition>
     </mc:Fallback>
   </mc:AlternateContent>
   <p:timing>
@@ -5410,14 +5769,9 @@
   <p:clrMapOvr>
     <a:masterClrMapping/>
   </p:clrMapOvr>
-  <mc:AlternateContent xmlns:mc="http://schemas.openxmlformats.org/markup-compatibility/2006">
-    <mc:Choice xmlns:p14="http://schemas.microsoft.com/office/powerpoint/2010/main" Requires="p14">
-      <p:transition spd="slow" p14:dur="2000"/>
-    </mc:Choice>
-    <mc:Fallback>
-      <p:transition spd="slow"/>
-    </mc:Fallback>
-  </mc:AlternateContent>
+  <p:transition spd="slow">
+    <p:push dir="u"/>
+  </p:transition>
   <p:timing>
     <p:tnLst>
       <p:par>
@@ -5531,10 +5885,14 @@
   </p:clrMapOvr>
   <mc:AlternateContent xmlns:mc="http://schemas.openxmlformats.org/markup-compatibility/2006">
     <mc:Choice xmlns:p14="http://schemas.microsoft.com/office/powerpoint/2010/main" Requires="p14">
-      <p:transition spd="slow" p14:dur="2000"/>
+      <p:transition spd="slow" p14:dur="1200">
+        <p14:prism/>
+      </p:transition>
     </mc:Choice>
     <mc:Fallback>
-      <p:transition spd="slow"/>
+      <p:transition spd="slow">
+        <p:fade/>
+      </p:transition>
     </mc:Fallback>
   </mc:AlternateContent>
   <p:timing>
@@ -5816,14 +6174,9 @@
   <p:clrMapOvr>
     <a:masterClrMapping/>
   </p:clrMapOvr>
-  <mc:AlternateContent xmlns:mc="http://schemas.openxmlformats.org/markup-compatibility/2006">
-    <mc:Choice xmlns:p14="http://schemas.microsoft.com/office/powerpoint/2010/main" Requires="p14">
-      <p:transition spd="slow" p14:dur="2000"/>
-    </mc:Choice>
-    <mc:Fallback>
-      <p:transition spd="slow"/>
-    </mc:Fallback>
-  </mc:AlternateContent>
+  <p:transition spd="slow">
+    <p:cover/>
+  </p:transition>
   <p:timing>
     <p:tnLst>
       <p:par>
@@ -5932,14 +6285,9 @@
   <p:clrMapOvr>
     <a:masterClrMapping/>
   </p:clrMapOvr>
-  <mc:AlternateContent xmlns:mc="http://schemas.openxmlformats.org/markup-compatibility/2006">
-    <mc:Choice xmlns:p14="http://schemas.microsoft.com/office/powerpoint/2010/main" Requires="p14">
-      <p:transition spd="slow" p14:dur="2000"/>
-    </mc:Choice>
-    <mc:Fallback>
-      <p:transition spd="slow"/>
-    </mc:Fallback>
-  </mc:AlternateContent>
+  <p:transition spd="slow">
+    <p:cover/>
+  </p:transition>
   <p:timing>
     <p:tnLst>
       <p:par>
@@ -6043,10 +6391,14 @@
   </p:clrMapOvr>
   <mc:AlternateContent xmlns:mc="http://schemas.openxmlformats.org/markup-compatibility/2006">
     <mc:Choice xmlns:p14="http://schemas.microsoft.com/office/powerpoint/2010/main" Requires="p14">
-      <p:transition spd="slow" p14:dur="2000"/>
+      <p:transition spd="slow" p14:dur="1600">
+        <p14:prism isInverted="1"/>
+      </p:transition>
     </mc:Choice>
     <mc:Fallback>
-      <p:transition spd="slow"/>
+      <p:transition spd="slow">
+        <p:fade/>
+      </p:transition>
     </mc:Fallback>
   </mc:AlternateContent>
   <p:timing>
@@ -6144,47 +6496,7 @@
                 <a:ea typeface="Verdana" pitchFamily="34" charset="0"/>
                 <a:cs typeface="Verdana" pitchFamily="34" charset="0"/>
               </a:rPr>
-              <a:t>The template I found </a:t>
-            </a:r>
-            <a:r>
-              <a:rPr lang="en-US" sz="1500" dirty="0" smtClean="0">
-                <a:latin typeface="Verdana" pitchFamily="34" charset="0"/>
-                <a:ea typeface="Verdana" pitchFamily="34" charset="0"/>
-                <a:cs typeface="Verdana" pitchFamily="34" charset="0"/>
-              </a:rPr>
-              <a:t>may not have been the best technical</a:t>
-            </a:r>
-            <a:r>
-              <a:rPr lang="en-US" sz="1500" dirty="0" smtClean="0">
-                <a:latin typeface="Verdana" pitchFamily="34" charset="0"/>
-                <a:ea typeface="Verdana" pitchFamily="34" charset="0"/>
-                <a:cs typeface="Verdana" pitchFamily="34" charset="0"/>
-              </a:rPr>
-              <a:t> </a:t>
-            </a:r>
-            <a:r>
-              <a:rPr lang="en-US" sz="1500" dirty="0" smtClean="0">
-                <a:latin typeface="Verdana" pitchFamily="34" charset="0"/>
-                <a:ea typeface="Verdana" pitchFamily="34" charset="0"/>
-                <a:cs typeface="Verdana" pitchFamily="34" charset="0"/>
-              </a:rPr>
-              <a:t>foundation as it didn’t contain many things that I morphed and changed (pictures, background, audio, etc.).  But it had some structure </a:t>
-            </a:r>
-            <a:r>
-              <a:rPr lang="en-US" sz="1500" dirty="0" smtClean="0">
-                <a:latin typeface="Verdana" pitchFamily="34" charset="0"/>
-                <a:ea typeface="Verdana" pitchFamily="34" charset="0"/>
-                <a:cs typeface="Verdana" pitchFamily="34" charset="0"/>
-              </a:rPr>
-              <a:t>and appearance that </a:t>
-            </a:r>
-            <a:r>
-              <a:rPr lang="en-US" sz="1500" dirty="0" smtClean="0">
-                <a:latin typeface="Verdana" pitchFamily="34" charset="0"/>
-                <a:ea typeface="Verdana" pitchFamily="34" charset="0"/>
-                <a:cs typeface="Verdana" pitchFamily="34" charset="0"/>
-              </a:rPr>
-              <a:t>I did like so I pressed on.</a:t>
+              <a:t>The template I found may not have been the best technical foundation as it didn’t contain many things that I morphed and changed (pictures, background, audio, etc.).  But it had some structure and appearance that I did like so I pressed on.</a:t>
             </a:r>
           </a:p>
           <a:p>
@@ -6292,14 +6604,9 @@
   <p:clrMapOvr>
     <a:masterClrMapping/>
   </p:clrMapOvr>
-  <mc:AlternateContent xmlns:mc="http://schemas.openxmlformats.org/markup-compatibility/2006">
-    <mc:Choice xmlns:p14="http://schemas.microsoft.com/office/powerpoint/2010/main" Requires="p14">
-      <p:transition spd="slow" p14:dur="2000"/>
-    </mc:Choice>
-    <mc:Fallback>
-      <p:transition spd="slow"/>
-    </mc:Fallback>
-  </mc:AlternateContent>
+  <p:transition spd="slow">
+    <p:pull/>
+  </p:transition>
   <p:timing>
     <p:tnLst>
       <p:par>
@@ -6390,23 +6697,7 @@
             </a:r>
             <a:r>
               <a:rPr lang="en-US" sz="6800" dirty="0" smtClean="0"/>
-              <a:t>– originally I did it in an older method than HTML5.  It didn’t work well in all </a:t>
-            </a:r>
-            <a:r>
-              <a:rPr lang="en-US" sz="6800" dirty="0" smtClean="0"/>
-              <a:t>browsers </a:t>
-            </a:r>
-            <a:r>
-              <a:rPr lang="en-US" sz="6800" dirty="0" smtClean="0"/>
-              <a:t>and didn’t behave predictably.  Finally, when I changed it to an HTML5 method, worked great in both browsers and I gave the users the option to play it manually or not, rather than have it </a:t>
-            </a:r>
-            <a:r>
-              <a:rPr lang="en-US" sz="6800" dirty="0" smtClean="0"/>
-              <a:t>auto-play </a:t>
-            </a:r>
-            <a:r>
-              <a:rPr lang="en-US" sz="6800" dirty="0" smtClean="0"/>
-              <a:t>on loading.  I really liked the difference!  It also included play\pause, mute in Firefox, and in Chrome volume control</a:t>
+              <a:t>– originally I did it in an older method than HTML5.  It didn’t work well in all browsers and didn’t behave predictably.  Finally, when I changed it to an HTML5 method, worked great in both browsers and I gave the users the option to play it manually or not, rather than have it auto-play on loading.  I really liked the difference!  It also included play\pause, mute in Firefox, and in Chrome volume control</a:t>
             </a:r>
             <a:r>
               <a:rPr lang="en-US" sz="6800" dirty="0"/>
@@ -6530,13 +6821,8 @@
             </a:r>
             <a:r>
               <a:rPr lang="en-US" sz="6800" dirty="0" smtClean="0"/>
-              <a:t>just too much information to absorb so quickly. Had no idea how to begin to make the PC centric </a:t>
-            </a:r>
-            <a:r>
-              <a:rPr lang="en-US" sz="6800" dirty="0" smtClean="0"/>
-              <a:t>site a mobile site. However, I would have made a simple mobile site that contained the audio, the products page and all of the different “contact us” methods to reach the store.  The app would have contained all of that plus directions to the store and weekly notifications of all store specials and new arrivals.</a:t>
-            </a:r>
-            <a:endParaRPr lang="en-US" sz="6800" dirty="0" smtClean="0"/>
+              <a:t>just too much information to absorb so quickly. Had no idea how to begin to make the PC centric site a mobile site. However, I would have made a simple mobile site that contained the audio, the products page and all of the different “contact us” methods to reach the store.  The app would have contained all of that plus directions to the store and weekly notifications of all store specials and new arrivals.</a:t>
+            </a:r>
           </a:p>
           <a:p>
             <a:pPr>
@@ -6569,14 +6855,9 @@
   <p:clrMapOvr>
     <a:masterClrMapping/>
   </p:clrMapOvr>
-  <mc:AlternateContent xmlns:mc="http://schemas.openxmlformats.org/markup-compatibility/2006">
-    <mc:Choice xmlns:p14="http://schemas.microsoft.com/office/powerpoint/2010/main" Requires="p14">
-      <p:transition spd="slow" p14:dur="2000"/>
-    </mc:Choice>
-    <mc:Fallback>
-      <p:transition spd="slow"/>
-    </mc:Fallback>
-  </mc:AlternateContent>
+  <p:transition spd="slow">
+    <p:pull/>
+  </p:transition>
   <p:timing>
     <p:tnLst>
       <p:par>
@@ -6875,14 +7156,9 @@
   <p:clrMapOvr>
     <a:masterClrMapping/>
   </p:clrMapOvr>
-  <mc:AlternateContent xmlns:mc="http://schemas.openxmlformats.org/markup-compatibility/2006">
-    <mc:Choice xmlns:p14="http://schemas.microsoft.com/office/powerpoint/2010/main" Requires="p14">
-      <p:transition spd="slow" p14:dur="2000"/>
-    </mc:Choice>
-    <mc:Fallback>
-      <p:transition spd="slow"/>
-    </mc:Fallback>
-  </mc:AlternateContent>
+  <p:transition spd="slow">
+    <p:cover/>
+  </p:transition>
   <p:timing>
     <p:tnLst>
       <p:par>
